--- a/images/focus/pict.pptx
+++ b/images/focus/pict.pptx
@@ -104,6 +104,11 @@
       </a:defRPr>
     </a:lvl9pPr>
   </p:defaultTextStyle>
+  <p:extLst>
+    <p:ext uri="{EFAFB233-063F-42B5-8137-9DF3F51BA10A}">
+      <p15:sldGuideLst xmlns:p15="http://schemas.microsoft.com/office/powerpoint/2012/main"/>
+    </p:ext>
+  </p:extLst>
 </p:presentation>
 </file>
 
@@ -258,7 +263,7 @@
           <a:p>
             <a:fld id="{9B0D9258-CAE7-4895-A597-1F782F4BBD09}" type="datetimeFigureOut">
               <a:rPr lang="de-DE" smtClean="0"/>
-              <a:t>05.01.2018</a:t>
+              <a:t>05.02.2018</a:t>
             </a:fld>
             <a:endParaRPr lang="de-DE"/>
           </a:p>
@@ -456,7 +461,7 @@
           <a:p>
             <a:fld id="{9B0D9258-CAE7-4895-A597-1F782F4BBD09}" type="datetimeFigureOut">
               <a:rPr lang="de-DE" smtClean="0"/>
-              <a:t>05.01.2018</a:t>
+              <a:t>05.02.2018</a:t>
             </a:fld>
             <a:endParaRPr lang="de-DE"/>
           </a:p>
@@ -664,7 +669,7 @@
           <a:p>
             <a:fld id="{9B0D9258-CAE7-4895-A597-1F782F4BBD09}" type="datetimeFigureOut">
               <a:rPr lang="de-DE" smtClean="0"/>
-              <a:t>05.01.2018</a:t>
+              <a:t>05.02.2018</a:t>
             </a:fld>
             <a:endParaRPr lang="de-DE"/>
           </a:p>
@@ -862,7 +867,7 @@
           <a:p>
             <a:fld id="{9B0D9258-CAE7-4895-A597-1F782F4BBD09}" type="datetimeFigureOut">
               <a:rPr lang="de-DE" smtClean="0"/>
-              <a:t>05.01.2018</a:t>
+              <a:t>05.02.2018</a:t>
             </a:fld>
             <a:endParaRPr lang="de-DE"/>
           </a:p>
@@ -1137,7 +1142,7 @@
           <a:p>
             <a:fld id="{9B0D9258-CAE7-4895-A597-1F782F4BBD09}" type="datetimeFigureOut">
               <a:rPr lang="de-DE" smtClean="0"/>
-              <a:t>05.01.2018</a:t>
+              <a:t>05.02.2018</a:t>
             </a:fld>
             <a:endParaRPr lang="de-DE"/>
           </a:p>
@@ -1402,7 +1407,7 @@
           <a:p>
             <a:fld id="{9B0D9258-CAE7-4895-A597-1F782F4BBD09}" type="datetimeFigureOut">
               <a:rPr lang="de-DE" smtClean="0"/>
-              <a:t>05.01.2018</a:t>
+              <a:t>05.02.2018</a:t>
             </a:fld>
             <a:endParaRPr lang="de-DE"/>
           </a:p>
@@ -1814,7 +1819,7 @@
           <a:p>
             <a:fld id="{9B0D9258-CAE7-4895-A597-1F782F4BBD09}" type="datetimeFigureOut">
               <a:rPr lang="de-DE" smtClean="0"/>
-              <a:t>05.01.2018</a:t>
+              <a:t>05.02.2018</a:t>
             </a:fld>
             <a:endParaRPr lang="de-DE"/>
           </a:p>
@@ -1955,7 +1960,7 @@
           <a:p>
             <a:fld id="{9B0D9258-CAE7-4895-A597-1F782F4BBD09}" type="datetimeFigureOut">
               <a:rPr lang="de-DE" smtClean="0"/>
-              <a:t>05.01.2018</a:t>
+              <a:t>05.02.2018</a:t>
             </a:fld>
             <a:endParaRPr lang="de-DE"/>
           </a:p>
@@ -2068,7 +2073,7 @@
           <a:p>
             <a:fld id="{9B0D9258-CAE7-4895-A597-1F782F4BBD09}" type="datetimeFigureOut">
               <a:rPr lang="de-DE" smtClean="0"/>
-              <a:t>05.01.2018</a:t>
+              <a:t>05.02.2018</a:t>
             </a:fld>
             <a:endParaRPr lang="de-DE"/>
           </a:p>
@@ -2379,7 +2384,7 @@
           <a:p>
             <a:fld id="{9B0D9258-CAE7-4895-A597-1F782F4BBD09}" type="datetimeFigureOut">
               <a:rPr lang="de-DE" smtClean="0"/>
-              <a:t>05.01.2018</a:t>
+              <a:t>05.02.2018</a:t>
             </a:fld>
             <a:endParaRPr lang="de-DE"/>
           </a:p>
@@ -2667,7 +2672,7 @@
           <a:p>
             <a:fld id="{9B0D9258-CAE7-4895-A597-1F782F4BBD09}" type="datetimeFigureOut">
               <a:rPr lang="de-DE" smtClean="0"/>
-              <a:t>05.01.2018</a:t>
+              <a:t>05.02.2018</a:t>
             </a:fld>
             <a:endParaRPr lang="de-DE"/>
           </a:p>
@@ -2908,7 +2913,7 @@
           <a:p>
             <a:fld id="{9B0D9258-CAE7-4895-A597-1F782F4BBD09}" type="datetimeFigureOut">
               <a:rPr lang="de-DE" smtClean="0"/>
-              <a:t>05.01.2018</a:t>
+              <a:t>05.02.2018</a:t>
             </a:fld>
             <a:endParaRPr lang="de-DE"/>
           </a:p>
@@ -3325,907 +3330,886 @@
           <a:chExt cx="0" cy="0"/>
         </a:xfrm>
       </p:grpSpPr>
-      <p:grpSp>
-        <p:nvGrpSpPr>
-          <p:cNvPr id="39" name="Gruppieren 38">
-            <a:extLst>
-              <a:ext uri="{FF2B5EF4-FFF2-40B4-BE49-F238E27FC236}">
-                <a16:creationId xmlns:a16="http://schemas.microsoft.com/office/drawing/2014/main" id="{D46A774D-AFFC-4777-8804-D809BB67CC11}"/>
-              </a:ext>
-            </a:extLst>
-          </p:cNvPr>
-          <p:cNvGrpSpPr/>
+      <p:pic>
+        <p:nvPicPr>
+          <p:cNvPr id="6" name="Grafik 5" descr="Ein Bild, das drinnen, Auto enthält.&#10;&#10;Mit hoher Zuverlässigkeit generierte Beschreibung">
+            <a:extLst>
+              <a:ext uri="{FF2B5EF4-FFF2-40B4-BE49-F238E27FC236}">
+                <a16:creationId xmlns:a16="http://schemas.microsoft.com/office/drawing/2014/main" id="{0733E4DE-E9A8-4848-8987-D81A46F20CF6}"/>
+              </a:ext>
+            </a:extLst>
+          </p:cNvPr>
+          <p:cNvPicPr>
+            <a:picLocks noChangeAspect="1"/>
+          </p:cNvPicPr>
           <p:nvPr/>
-        </p:nvGrpSpPr>
-        <p:grpSpPr>
+        </p:nvPicPr>
+        <p:blipFill>
+          <a:blip r:embed="rId2">
+            <a:extLst>
+              <a:ext uri="{28A0092B-C50C-407E-A947-70E740481C1C}">
+                <a14:useLocalDpi xmlns:a14="http://schemas.microsoft.com/office/drawing/2010/main" val="0"/>
+              </a:ext>
+            </a:extLst>
+          </a:blip>
+          <a:stretch>
+            <a:fillRect/>
+          </a:stretch>
+        </p:blipFill>
+        <p:spPr>
           <a:xfrm>
-            <a:off x="707615" y="378376"/>
-            <a:ext cx="10776769" cy="3845364"/>
-            <a:chOff x="646462" y="1408279"/>
-            <a:chExt cx="10776769" cy="3845364"/>
+            <a:off x="664621" y="420157"/>
+            <a:ext cx="1800000" cy="1804675"/>
           </a:xfrm>
-        </p:grpSpPr>
-        <p:pic>
-          <p:nvPicPr>
-            <p:cNvPr id="6" name="Grafik 5" descr="Ein Bild, das drinnen, Auto enthält.&#10;&#10;Mit hoher Zuverlässigkeit generierte Beschreibung">
-              <a:extLst>
-                <a:ext uri="{FF2B5EF4-FFF2-40B4-BE49-F238E27FC236}">
-                  <a16:creationId xmlns:a16="http://schemas.microsoft.com/office/drawing/2014/main" id="{0733E4DE-E9A8-4848-8987-D81A46F20CF6}"/>
-                </a:ext>
-              </a:extLst>
-            </p:cNvPr>
-            <p:cNvPicPr>
-              <a:picLocks noChangeAspect="1"/>
-            </p:cNvPicPr>
-            <p:nvPr/>
-          </p:nvPicPr>
-          <p:blipFill>
-            <a:blip r:embed="rId2">
-              <a:extLst>
-                <a:ext uri="{28A0092B-C50C-407E-A947-70E740481C1C}">
-                  <a14:useLocalDpi xmlns:a14="http://schemas.microsoft.com/office/drawing/2010/main" val="0"/>
-                </a:ext>
-              </a:extLst>
-            </a:blip>
-            <a:stretch>
-              <a:fillRect/>
-            </a:stretch>
-          </p:blipFill>
-          <p:spPr>
-            <a:xfrm>
-              <a:off x="651137" y="1450060"/>
-              <a:ext cx="1800000" cy="1804675"/>
-            </a:xfrm>
-            <a:prstGeom prst="rect">
-              <a:avLst/>
-            </a:prstGeom>
-          </p:spPr>
-        </p:pic>
-        <p:pic>
-          <p:nvPicPr>
-            <p:cNvPr id="8" name="Grafik 7" descr="Ein Bild, das Brille, schwarz enthält.&#10;&#10;Mit hoher Zuverlässigkeit generierte Beschreibung">
-              <a:extLst>
-                <a:ext uri="{FF2B5EF4-FFF2-40B4-BE49-F238E27FC236}">
-                  <a16:creationId xmlns:a16="http://schemas.microsoft.com/office/drawing/2014/main" id="{67353DD5-183B-4780-A550-7A08FD6C2813}"/>
-                </a:ext>
-              </a:extLst>
-            </p:cNvPr>
-            <p:cNvPicPr>
-              <a:picLocks noChangeAspect="1"/>
-            </p:cNvPicPr>
-            <p:nvPr/>
-          </p:nvPicPr>
-          <p:blipFill>
-            <a:blip r:embed="rId3">
-              <a:extLst>
-                <a:ext uri="{28A0092B-C50C-407E-A947-70E740481C1C}">
-                  <a14:useLocalDpi xmlns:a14="http://schemas.microsoft.com/office/drawing/2010/main" val="0"/>
-                </a:ext>
-              </a:extLst>
-            </a:blip>
-            <a:stretch>
-              <a:fillRect/>
-            </a:stretch>
-          </p:blipFill>
-          <p:spPr>
-            <a:xfrm>
-              <a:off x="2441835" y="1445401"/>
-              <a:ext cx="1800000" cy="1802334"/>
-            </a:xfrm>
-            <a:prstGeom prst="rect">
-              <a:avLst/>
-            </a:prstGeom>
-          </p:spPr>
-        </p:pic>
-        <p:pic>
-          <p:nvPicPr>
-            <p:cNvPr id="10" name="Grafik 9" descr="Ein Bild, das Auto, Brille, drinnen, schwarz enthält.&#10;&#10;Mit hoher Zuverlässigkeit generierte Beschreibung">
-              <a:extLst>
-                <a:ext uri="{FF2B5EF4-FFF2-40B4-BE49-F238E27FC236}">
-                  <a16:creationId xmlns:a16="http://schemas.microsoft.com/office/drawing/2014/main" id="{B7B7FA69-F82A-4E8E-B96A-B44EF38A2692}"/>
-                </a:ext>
-              </a:extLst>
-            </p:cNvPr>
-            <p:cNvPicPr>
-              <a:picLocks noChangeAspect="1"/>
-            </p:cNvPicPr>
-            <p:nvPr/>
-          </p:nvPicPr>
-          <p:blipFill>
-            <a:blip r:embed="rId4">
-              <a:extLst>
-                <a:ext uri="{28A0092B-C50C-407E-A947-70E740481C1C}">
-                  <a14:useLocalDpi xmlns:a14="http://schemas.microsoft.com/office/drawing/2010/main" val="0"/>
-                </a:ext>
-              </a:extLst>
-            </a:blip>
-            <a:stretch>
-              <a:fillRect/>
-            </a:stretch>
-          </p:blipFill>
-          <p:spPr>
-            <a:xfrm>
-              <a:off x="4237184" y="1447735"/>
-              <a:ext cx="1800000" cy="1800000"/>
-            </a:xfrm>
-            <a:prstGeom prst="rect">
-              <a:avLst/>
-            </a:prstGeom>
-          </p:spPr>
-        </p:pic>
-        <p:pic>
-          <p:nvPicPr>
-            <p:cNvPr id="12" name="Grafik 11" descr="Ein Bild, das Auto, drinnen, Person, schwarz enthält.&#10;&#10;Mit sehr hoher Zuverlässigkeit generierte Beschreibung">
-              <a:extLst>
-                <a:ext uri="{FF2B5EF4-FFF2-40B4-BE49-F238E27FC236}">
-                  <a16:creationId xmlns:a16="http://schemas.microsoft.com/office/drawing/2014/main" id="{26E9D5D0-10FE-4AB8-8D17-0A0EC1D18270}"/>
-                </a:ext>
-              </a:extLst>
-            </p:cNvPr>
-            <p:cNvPicPr>
-              <a:picLocks noChangeAspect="1"/>
-            </p:cNvPicPr>
-            <p:nvPr/>
-          </p:nvPicPr>
-          <p:blipFill>
-            <a:blip r:embed="rId5">
-              <a:extLst>
-                <a:ext uri="{28A0092B-C50C-407E-A947-70E740481C1C}">
-                  <a14:useLocalDpi xmlns:a14="http://schemas.microsoft.com/office/drawing/2010/main" val="0"/>
-                </a:ext>
-              </a:extLst>
-            </a:blip>
-            <a:stretch>
-              <a:fillRect/>
-            </a:stretch>
-          </p:blipFill>
-          <p:spPr>
-            <a:xfrm>
-              <a:off x="6032533" y="1450070"/>
-              <a:ext cx="1800000" cy="1797665"/>
-            </a:xfrm>
-            <a:prstGeom prst="rect">
-              <a:avLst/>
-            </a:prstGeom>
-          </p:spPr>
-        </p:pic>
-        <p:pic>
-          <p:nvPicPr>
-            <p:cNvPr id="14" name="Grafik 13" descr="Ein Bild, das Auto, drinnen, Foto enthält.&#10;&#10;Mit sehr hoher Zuverlässigkeit generierte Beschreibung">
-              <a:extLst>
-                <a:ext uri="{FF2B5EF4-FFF2-40B4-BE49-F238E27FC236}">
-                  <a16:creationId xmlns:a16="http://schemas.microsoft.com/office/drawing/2014/main" id="{97B8C3C6-CEB2-4B97-ADAA-7A4F876EE776}"/>
-                </a:ext>
-              </a:extLst>
-            </p:cNvPr>
-            <p:cNvPicPr>
-              <a:picLocks noChangeAspect="1"/>
-            </p:cNvPicPr>
-            <p:nvPr/>
-          </p:nvPicPr>
-          <p:blipFill>
-            <a:blip r:embed="rId6">
-              <a:extLst>
-                <a:ext uri="{28A0092B-C50C-407E-A947-70E740481C1C}">
-                  <a14:useLocalDpi xmlns:a14="http://schemas.microsoft.com/office/drawing/2010/main" val="0"/>
-                </a:ext>
-              </a:extLst>
-            </a:blip>
-            <a:stretch>
-              <a:fillRect/>
-            </a:stretch>
-          </p:blipFill>
-          <p:spPr>
-            <a:xfrm>
-              <a:off x="7832557" y="1450072"/>
-              <a:ext cx="1800000" cy="1804663"/>
-            </a:xfrm>
-            <a:prstGeom prst="rect">
-              <a:avLst/>
-            </a:prstGeom>
-          </p:spPr>
-        </p:pic>
-        <p:pic>
-          <p:nvPicPr>
-            <p:cNvPr id="16" name="Grafik 15" descr="Ein Bild, das Auto, Foto, drinnen, schwarz enthält.&#10;&#10;Mit sehr hoher Zuverlässigkeit generierte Beschreibung">
-              <a:extLst>
-                <a:ext uri="{FF2B5EF4-FFF2-40B4-BE49-F238E27FC236}">
-                  <a16:creationId xmlns:a16="http://schemas.microsoft.com/office/drawing/2014/main" id="{7A98605B-A14D-42E5-91E3-F76D125BBAC2}"/>
-                </a:ext>
-              </a:extLst>
-            </p:cNvPr>
-            <p:cNvPicPr>
-              <a:picLocks noChangeAspect="1"/>
-            </p:cNvPicPr>
-            <p:nvPr/>
-          </p:nvPicPr>
-          <p:blipFill>
-            <a:blip r:embed="rId7">
-              <a:extLst>
-                <a:ext uri="{28A0092B-C50C-407E-A947-70E740481C1C}">
-                  <a14:useLocalDpi xmlns:a14="http://schemas.microsoft.com/office/drawing/2010/main" val="0"/>
-                </a:ext>
-              </a:extLst>
-            </a:blip>
-            <a:stretch>
-              <a:fillRect/>
-            </a:stretch>
-          </p:blipFill>
-          <p:spPr>
-            <a:xfrm>
-              <a:off x="9623231" y="1450072"/>
-              <a:ext cx="1800000" cy="1804663"/>
-            </a:xfrm>
-            <a:prstGeom prst="rect">
-              <a:avLst/>
-            </a:prstGeom>
-          </p:spPr>
-        </p:pic>
-        <p:pic>
-          <p:nvPicPr>
-            <p:cNvPr id="18" name="Grafik 17" descr="Ein Bild, das Auto, drinnen enthält.&#10;&#10;Mit sehr hoher Zuverlässigkeit generierte Beschreibung">
-              <a:extLst>
-                <a:ext uri="{FF2B5EF4-FFF2-40B4-BE49-F238E27FC236}">
-                  <a16:creationId xmlns:a16="http://schemas.microsoft.com/office/drawing/2014/main" id="{5AE89568-144A-43AB-8856-8293F3E69246}"/>
-                </a:ext>
-              </a:extLst>
-            </p:cNvPr>
-            <p:cNvPicPr>
-              <a:picLocks noChangeAspect="1"/>
-            </p:cNvPicPr>
-            <p:nvPr/>
-          </p:nvPicPr>
-          <p:blipFill>
-            <a:blip r:embed="rId8">
-              <a:extLst>
-                <a:ext uri="{28A0092B-C50C-407E-A947-70E740481C1C}">
-                  <a14:useLocalDpi xmlns:a14="http://schemas.microsoft.com/office/drawing/2010/main" val="0"/>
-                </a:ext>
-              </a:extLst>
-            </a:blip>
-            <a:stretch>
-              <a:fillRect/>
-            </a:stretch>
-          </p:blipFill>
-          <p:spPr>
-            <a:xfrm>
-              <a:off x="2441835" y="3434970"/>
-              <a:ext cx="1800000" cy="1800000"/>
-            </a:xfrm>
-            <a:prstGeom prst="rect">
-              <a:avLst/>
-            </a:prstGeom>
-          </p:spPr>
-        </p:pic>
-        <p:pic>
-          <p:nvPicPr>
-            <p:cNvPr id="20" name="Grafik 19" descr="Ein Bild, das Auto, drinnen, Brille, Person enthält.&#10;&#10;Mit sehr hoher Zuverlässigkeit generierte Beschreibung">
-              <a:extLst>
-                <a:ext uri="{FF2B5EF4-FFF2-40B4-BE49-F238E27FC236}">
-                  <a16:creationId xmlns:a16="http://schemas.microsoft.com/office/drawing/2014/main" id="{28AE1999-F006-4302-A8F7-932A0C5A9DEF}"/>
-                </a:ext>
-              </a:extLst>
-            </p:cNvPr>
-            <p:cNvPicPr>
-              <a:picLocks noChangeAspect="1"/>
-            </p:cNvPicPr>
-            <p:nvPr/>
-          </p:nvPicPr>
-          <p:blipFill>
-            <a:blip r:embed="rId9">
-              <a:extLst>
-                <a:ext uri="{28A0092B-C50C-407E-A947-70E740481C1C}">
-                  <a14:useLocalDpi xmlns:a14="http://schemas.microsoft.com/office/drawing/2010/main" val="0"/>
-                </a:ext>
-              </a:extLst>
-            </a:blip>
-            <a:stretch>
-              <a:fillRect/>
-            </a:stretch>
-          </p:blipFill>
-          <p:spPr>
-            <a:xfrm>
-              <a:off x="4237184" y="3434970"/>
-              <a:ext cx="1800000" cy="1800000"/>
-            </a:xfrm>
-            <a:prstGeom prst="rect">
-              <a:avLst/>
-            </a:prstGeom>
-          </p:spPr>
-        </p:pic>
-        <p:pic>
-          <p:nvPicPr>
-            <p:cNvPr id="22" name="Grafik 21" descr="Ein Bild, das Auto, Person, schwarz enthält.&#10;&#10;Mit hoher Zuverlässigkeit generierte Beschreibung">
-              <a:extLst>
-                <a:ext uri="{FF2B5EF4-FFF2-40B4-BE49-F238E27FC236}">
-                  <a16:creationId xmlns:a16="http://schemas.microsoft.com/office/drawing/2014/main" id="{E22531FB-22F9-4B3A-A0FD-B45A64DD27B6}"/>
-                </a:ext>
-              </a:extLst>
-            </p:cNvPr>
-            <p:cNvPicPr>
-              <a:picLocks noChangeAspect="1"/>
-            </p:cNvPicPr>
-            <p:nvPr/>
-          </p:nvPicPr>
-          <p:blipFill>
-            <a:blip r:embed="rId10">
-              <a:extLst>
-                <a:ext uri="{28A0092B-C50C-407E-A947-70E740481C1C}">
-                  <a14:useLocalDpi xmlns:a14="http://schemas.microsoft.com/office/drawing/2010/main" val="0"/>
-                </a:ext>
-              </a:extLst>
-            </a:blip>
-            <a:stretch>
-              <a:fillRect/>
-            </a:stretch>
-          </p:blipFill>
-          <p:spPr>
-            <a:xfrm>
-              <a:off x="6023160" y="3434970"/>
-              <a:ext cx="1800000" cy="1804657"/>
-            </a:xfrm>
-            <a:prstGeom prst="rect">
-              <a:avLst/>
-            </a:prstGeom>
-          </p:spPr>
-        </p:pic>
-        <p:pic>
-          <p:nvPicPr>
-            <p:cNvPr id="24" name="Grafik 23" descr="Ein Bild, das Auto, Foto enthält.&#10;&#10;Mit sehr hoher Zuverlässigkeit generierte Beschreibung">
-              <a:extLst>
-                <a:ext uri="{FF2B5EF4-FFF2-40B4-BE49-F238E27FC236}">
-                  <a16:creationId xmlns:a16="http://schemas.microsoft.com/office/drawing/2014/main" id="{D4BF31E2-5FD1-488E-B1CE-3F12C704E76C}"/>
-                </a:ext>
-              </a:extLst>
-            </p:cNvPr>
-            <p:cNvPicPr>
-              <a:picLocks noChangeAspect="1"/>
-            </p:cNvPicPr>
-            <p:nvPr/>
-          </p:nvPicPr>
-          <p:blipFill>
-            <a:blip r:embed="rId11">
-              <a:extLst>
-                <a:ext uri="{28A0092B-C50C-407E-A947-70E740481C1C}">
-                  <a14:useLocalDpi xmlns:a14="http://schemas.microsoft.com/office/drawing/2010/main" val="0"/>
-                </a:ext>
-              </a:extLst>
-            </a:blip>
-            <a:stretch>
-              <a:fillRect/>
-            </a:stretch>
-          </p:blipFill>
-          <p:spPr>
-            <a:xfrm>
-              <a:off x="7804485" y="3441970"/>
-              <a:ext cx="1800000" cy="1797672"/>
-            </a:xfrm>
-            <a:prstGeom prst="rect">
-              <a:avLst/>
-            </a:prstGeom>
-          </p:spPr>
-        </p:pic>
-        <p:pic>
-          <p:nvPicPr>
-            <p:cNvPr id="26" name="Grafik 25" descr="Ein Bild, das Auto, Foto, schwarz enthält.&#10;&#10;Mit sehr hoher Zuverlässigkeit generierte Beschreibung">
-              <a:extLst>
-                <a:ext uri="{FF2B5EF4-FFF2-40B4-BE49-F238E27FC236}">
-                  <a16:creationId xmlns:a16="http://schemas.microsoft.com/office/drawing/2014/main" id="{4B505520-5C8E-4B8A-81AA-CE6A914DB01F}"/>
-                </a:ext>
-              </a:extLst>
-            </p:cNvPr>
-            <p:cNvPicPr>
-              <a:picLocks noChangeAspect="1"/>
-            </p:cNvPicPr>
-            <p:nvPr/>
-          </p:nvPicPr>
-          <p:blipFill>
-            <a:blip r:embed="rId12">
-              <a:extLst>
-                <a:ext uri="{28A0092B-C50C-407E-A947-70E740481C1C}">
-                  <a14:useLocalDpi xmlns:a14="http://schemas.microsoft.com/office/drawing/2010/main" val="0"/>
-                </a:ext>
-              </a:extLst>
-            </a:blip>
-            <a:stretch>
-              <a:fillRect/>
-            </a:stretch>
-          </p:blipFill>
-          <p:spPr>
-            <a:xfrm>
-              <a:off x="9599834" y="3441970"/>
-              <a:ext cx="1800000" cy="1811673"/>
-            </a:xfrm>
-            <a:prstGeom prst="rect">
-              <a:avLst/>
-            </a:prstGeom>
-          </p:spPr>
-        </p:pic>
-        <p:sp>
-          <p:nvSpPr>
-            <p:cNvPr id="27" name="Textfeld 26">
-              <a:extLst>
-                <a:ext uri="{FF2B5EF4-FFF2-40B4-BE49-F238E27FC236}">
-                  <a16:creationId xmlns:a16="http://schemas.microsoft.com/office/drawing/2014/main" id="{A894A5CA-A222-471D-B151-6B1145193681}"/>
-                </a:ext>
-              </a:extLst>
-            </p:cNvPr>
-            <p:cNvSpPr txBox="1"/>
-            <p:nvPr/>
-          </p:nvSpPr>
-          <p:spPr>
-            <a:xfrm>
-              <a:off x="646462" y="1445401"/>
-              <a:ext cx="340158" cy="400110"/>
-            </a:xfrm>
-            <a:prstGeom prst="rect">
-              <a:avLst/>
-            </a:prstGeom>
-            <a:noFill/>
-          </p:spPr>
-          <p:txBody>
-            <a:bodyPr wrap="none" rtlCol="0">
-              <a:spAutoFit/>
-            </a:bodyPr>
-            <a:lstStyle/>
-            <a:p>
-              <a:r>
-                <a:rPr lang="en-US" sz="2000" b="1" dirty="0">
-                  <a:solidFill>
-                    <a:schemeClr val="bg1"/>
-                  </a:solidFill>
-                </a:rPr>
-                <a:t>A</a:t>
-              </a:r>
-              <a:endParaRPr lang="de-DE" sz="2000" b="1" dirty="0">
+          <a:prstGeom prst="rect">
+            <a:avLst/>
+          </a:prstGeom>
+        </p:spPr>
+      </p:pic>
+      <p:pic>
+        <p:nvPicPr>
+          <p:cNvPr id="8" name="Grafik 7" descr="Ein Bild, das Brille, schwarz enthält.&#10;&#10;Mit hoher Zuverlässigkeit generierte Beschreibung">
+            <a:extLst>
+              <a:ext uri="{FF2B5EF4-FFF2-40B4-BE49-F238E27FC236}">
+                <a16:creationId xmlns:a16="http://schemas.microsoft.com/office/drawing/2014/main" id="{67353DD5-183B-4780-A550-7A08FD6C2813}"/>
+              </a:ext>
+            </a:extLst>
+          </p:cNvPr>
+          <p:cNvPicPr>
+            <a:picLocks noChangeAspect="1"/>
+          </p:cNvPicPr>
+          <p:nvPr/>
+        </p:nvPicPr>
+        <p:blipFill>
+          <a:blip r:embed="rId3">
+            <a:extLst>
+              <a:ext uri="{28A0092B-C50C-407E-A947-70E740481C1C}">
+                <a14:useLocalDpi xmlns:a14="http://schemas.microsoft.com/office/drawing/2010/main" val="0"/>
+              </a:ext>
+            </a:extLst>
+          </a:blip>
+          <a:stretch>
+            <a:fillRect/>
+          </a:stretch>
+        </p:blipFill>
+        <p:spPr>
+          <a:xfrm>
+            <a:off x="2502988" y="415498"/>
+            <a:ext cx="1800000" cy="1802334"/>
+          </a:xfrm>
+          <a:prstGeom prst="rect">
+            <a:avLst/>
+          </a:prstGeom>
+        </p:spPr>
+      </p:pic>
+      <p:pic>
+        <p:nvPicPr>
+          <p:cNvPr id="10" name="Grafik 9" descr="Ein Bild, das Auto, Brille, drinnen, schwarz enthält.&#10;&#10;Mit hoher Zuverlässigkeit generierte Beschreibung">
+            <a:extLst>
+              <a:ext uri="{FF2B5EF4-FFF2-40B4-BE49-F238E27FC236}">
+                <a16:creationId xmlns:a16="http://schemas.microsoft.com/office/drawing/2014/main" id="{B7B7FA69-F82A-4E8E-B96A-B44EF38A2692}"/>
+              </a:ext>
+            </a:extLst>
+          </p:cNvPr>
+          <p:cNvPicPr>
+            <a:picLocks noChangeAspect="1"/>
+          </p:cNvPicPr>
+          <p:nvPr/>
+        </p:nvPicPr>
+        <p:blipFill>
+          <a:blip r:embed="rId4">
+            <a:extLst>
+              <a:ext uri="{28A0092B-C50C-407E-A947-70E740481C1C}">
+                <a14:useLocalDpi xmlns:a14="http://schemas.microsoft.com/office/drawing/2010/main" val="0"/>
+              </a:ext>
+            </a:extLst>
+          </a:blip>
+          <a:stretch>
+            <a:fillRect/>
+          </a:stretch>
+        </p:blipFill>
+        <p:spPr>
+          <a:xfrm>
+            <a:off x="4340923" y="410832"/>
+            <a:ext cx="1800000" cy="1800000"/>
+          </a:xfrm>
+          <a:prstGeom prst="rect">
+            <a:avLst/>
+          </a:prstGeom>
+        </p:spPr>
+      </p:pic>
+      <p:pic>
+        <p:nvPicPr>
+          <p:cNvPr id="12" name="Grafik 11" descr="Ein Bild, das Auto, drinnen, Person, schwarz enthält.&#10;&#10;Mit sehr hoher Zuverlässigkeit generierte Beschreibung">
+            <a:extLst>
+              <a:ext uri="{FF2B5EF4-FFF2-40B4-BE49-F238E27FC236}">
+                <a16:creationId xmlns:a16="http://schemas.microsoft.com/office/drawing/2014/main" id="{26E9D5D0-10FE-4AB8-8D17-0A0EC1D18270}"/>
+              </a:ext>
+            </a:extLst>
+          </p:cNvPr>
+          <p:cNvPicPr>
+            <a:picLocks noChangeAspect="1"/>
+          </p:cNvPicPr>
+          <p:nvPr/>
+        </p:nvPicPr>
+        <p:blipFill>
+          <a:blip r:embed="rId5">
+            <a:extLst>
+              <a:ext uri="{28A0092B-C50C-407E-A947-70E740481C1C}">
+                <a14:useLocalDpi xmlns:a14="http://schemas.microsoft.com/office/drawing/2010/main" val="0"/>
+              </a:ext>
+            </a:extLst>
+          </a:blip>
+          <a:stretch>
+            <a:fillRect/>
+          </a:stretch>
+        </p:blipFill>
+        <p:spPr>
+          <a:xfrm>
+            <a:off x="6189187" y="406168"/>
+            <a:ext cx="1800000" cy="1797665"/>
+          </a:xfrm>
+          <a:prstGeom prst="rect">
+            <a:avLst/>
+          </a:prstGeom>
+        </p:spPr>
+      </p:pic>
+      <p:pic>
+        <p:nvPicPr>
+          <p:cNvPr id="14" name="Grafik 13" descr="Ein Bild, das Auto, drinnen, Foto enthält.&#10;&#10;Mit sehr hoher Zuverlässigkeit generierte Beschreibung">
+            <a:extLst>
+              <a:ext uri="{FF2B5EF4-FFF2-40B4-BE49-F238E27FC236}">
+                <a16:creationId xmlns:a16="http://schemas.microsoft.com/office/drawing/2014/main" id="{97B8C3C6-CEB2-4B97-ADAA-7A4F876EE776}"/>
+              </a:ext>
+            </a:extLst>
+          </p:cNvPr>
+          <p:cNvPicPr>
+            <a:picLocks noChangeAspect="1"/>
+          </p:cNvPicPr>
+          <p:nvPr/>
+        </p:nvPicPr>
+        <p:blipFill>
+          <a:blip r:embed="rId6">
+            <a:extLst>
+              <a:ext uri="{28A0092B-C50C-407E-A947-70E740481C1C}">
+                <a14:useLocalDpi xmlns:a14="http://schemas.microsoft.com/office/drawing/2010/main" val="0"/>
+              </a:ext>
+            </a:extLst>
+          </a:blip>
+          <a:stretch>
+            <a:fillRect/>
+          </a:stretch>
+        </p:blipFill>
+        <p:spPr>
+          <a:xfrm>
+            <a:off x="8028563" y="407452"/>
+            <a:ext cx="1800000" cy="1804663"/>
+          </a:xfrm>
+          <a:prstGeom prst="rect">
+            <a:avLst/>
+          </a:prstGeom>
+        </p:spPr>
+      </p:pic>
+      <p:pic>
+        <p:nvPicPr>
+          <p:cNvPr id="16" name="Grafik 15" descr="Ein Bild, das Auto, Foto, drinnen, schwarz enthält.&#10;&#10;Mit sehr hoher Zuverlässigkeit generierte Beschreibung">
+            <a:extLst>
+              <a:ext uri="{FF2B5EF4-FFF2-40B4-BE49-F238E27FC236}">
+                <a16:creationId xmlns:a16="http://schemas.microsoft.com/office/drawing/2014/main" id="{7A98605B-A14D-42E5-91E3-F76D125BBAC2}"/>
+              </a:ext>
+            </a:extLst>
+          </p:cNvPr>
+          <p:cNvPicPr>
+            <a:picLocks noChangeAspect="1"/>
+          </p:cNvPicPr>
+          <p:nvPr/>
+        </p:nvPicPr>
+        <p:blipFill>
+          <a:blip r:embed="rId7">
+            <a:extLst>
+              <a:ext uri="{28A0092B-C50C-407E-A947-70E740481C1C}">
+                <a14:useLocalDpi xmlns:a14="http://schemas.microsoft.com/office/drawing/2010/main" val="0"/>
+              </a:ext>
+            </a:extLst>
+          </a:blip>
+          <a:stretch>
+            <a:fillRect/>
+          </a:stretch>
+        </p:blipFill>
+        <p:spPr>
+          <a:xfrm>
+            <a:off x="9866498" y="403318"/>
+            <a:ext cx="1800000" cy="1804663"/>
+          </a:xfrm>
+          <a:prstGeom prst="rect">
+            <a:avLst/>
+          </a:prstGeom>
+        </p:spPr>
+      </p:pic>
+      <p:pic>
+        <p:nvPicPr>
+          <p:cNvPr id="18" name="Grafik 17" descr="Ein Bild, das Auto, drinnen enthält.&#10;&#10;Mit sehr hoher Zuverlässigkeit generierte Beschreibung">
+            <a:extLst>
+              <a:ext uri="{FF2B5EF4-FFF2-40B4-BE49-F238E27FC236}">
+                <a16:creationId xmlns:a16="http://schemas.microsoft.com/office/drawing/2014/main" id="{5AE89568-144A-43AB-8856-8293F3E69246}"/>
+              </a:ext>
+            </a:extLst>
+          </p:cNvPr>
+          <p:cNvPicPr>
+            <a:picLocks noChangeAspect="1"/>
+          </p:cNvPicPr>
+          <p:nvPr/>
+        </p:nvPicPr>
+        <p:blipFill>
+          <a:blip r:embed="rId8">
+            <a:extLst>
+              <a:ext uri="{28A0092B-C50C-407E-A947-70E740481C1C}">
+                <a14:useLocalDpi xmlns:a14="http://schemas.microsoft.com/office/drawing/2010/main" val="0"/>
+              </a:ext>
+            </a:extLst>
+          </a:blip>
+          <a:stretch>
+            <a:fillRect/>
+          </a:stretch>
+        </p:blipFill>
+        <p:spPr>
+          <a:xfrm>
+            <a:off x="2500698" y="2400410"/>
+            <a:ext cx="1800000" cy="1800000"/>
+          </a:xfrm>
+          <a:prstGeom prst="rect">
+            <a:avLst/>
+          </a:prstGeom>
+        </p:spPr>
+      </p:pic>
+      <p:pic>
+        <p:nvPicPr>
+          <p:cNvPr id="20" name="Grafik 19" descr="Ein Bild, das Auto, drinnen, Brille, Person enthält.&#10;&#10;Mit sehr hoher Zuverlässigkeit generierte Beschreibung">
+            <a:extLst>
+              <a:ext uri="{FF2B5EF4-FFF2-40B4-BE49-F238E27FC236}">
+                <a16:creationId xmlns:a16="http://schemas.microsoft.com/office/drawing/2014/main" id="{28AE1999-F006-4302-A8F7-932A0C5A9DEF}"/>
+              </a:ext>
+            </a:extLst>
+          </p:cNvPr>
+          <p:cNvPicPr>
+            <a:picLocks noChangeAspect="1"/>
+          </p:cNvPicPr>
+          <p:nvPr/>
+        </p:nvPicPr>
+        <p:blipFill>
+          <a:blip r:embed="rId9">
+            <a:extLst>
+              <a:ext uri="{28A0092B-C50C-407E-A947-70E740481C1C}">
+                <a14:useLocalDpi xmlns:a14="http://schemas.microsoft.com/office/drawing/2010/main" val="0"/>
+              </a:ext>
+            </a:extLst>
+          </a:blip>
+          <a:stretch>
+            <a:fillRect/>
+          </a:stretch>
+        </p:blipFill>
+        <p:spPr>
+          <a:xfrm>
+            <a:off x="4344825" y="2400410"/>
+            <a:ext cx="1800000" cy="1800000"/>
+          </a:xfrm>
+          <a:prstGeom prst="rect">
+            <a:avLst/>
+          </a:prstGeom>
+        </p:spPr>
+      </p:pic>
+      <p:pic>
+        <p:nvPicPr>
+          <p:cNvPr id="22" name="Grafik 21" descr="Ein Bild, das Auto, Person, schwarz enthält.&#10;&#10;Mit hoher Zuverlässigkeit generierte Beschreibung">
+            <a:extLst>
+              <a:ext uri="{FF2B5EF4-FFF2-40B4-BE49-F238E27FC236}">
+                <a16:creationId xmlns:a16="http://schemas.microsoft.com/office/drawing/2014/main" id="{E22531FB-22F9-4B3A-A0FD-B45A64DD27B6}"/>
+              </a:ext>
+            </a:extLst>
+          </p:cNvPr>
+          <p:cNvPicPr>
+            <a:picLocks noChangeAspect="1"/>
+          </p:cNvPicPr>
+          <p:nvPr/>
+        </p:nvPicPr>
+        <p:blipFill>
+          <a:blip r:embed="rId10">
+            <a:extLst>
+              <a:ext uri="{28A0092B-C50C-407E-A947-70E740481C1C}">
+                <a14:useLocalDpi xmlns:a14="http://schemas.microsoft.com/office/drawing/2010/main" val="0"/>
+              </a:ext>
+            </a:extLst>
+          </a:blip>
+          <a:stretch>
+            <a:fillRect/>
+          </a:stretch>
+        </p:blipFill>
+        <p:spPr>
+          <a:xfrm>
+            <a:off x="6188870" y="2395753"/>
+            <a:ext cx="1800000" cy="1804657"/>
+          </a:xfrm>
+          <a:prstGeom prst="rect">
+            <a:avLst/>
+          </a:prstGeom>
+        </p:spPr>
+      </p:pic>
+      <p:pic>
+        <p:nvPicPr>
+          <p:cNvPr id="24" name="Grafik 23" descr="Ein Bild, das Auto, Foto enthält.&#10;&#10;Mit sehr hoher Zuverlässigkeit generierte Beschreibung">
+            <a:extLst>
+              <a:ext uri="{FF2B5EF4-FFF2-40B4-BE49-F238E27FC236}">
+                <a16:creationId xmlns:a16="http://schemas.microsoft.com/office/drawing/2014/main" id="{D4BF31E2-5FD1-488E-B1CE-3F12C704E76C}"/>
+              </a:ext>
+            </a:extLst>
+          </p:cNvPr>
+          <p:cNvPicPr>
+            <a:picLocks noChangeAspect="1"/>
+          </p:cNvPicPr>
+          <p:nvPr/>
+        </p:nvPicPr>
+        <p:blipFill>
+          <a:blip r:embed="rId11">
+            <a:extLst>
+              <a:ext uri="{28A0092B-C50C-407E-A947-70E740481C1C}">
+                <a14:useLocalDpi xmlns:a14="http://schemas.microsoft.com/office/drawing/2010/main" val="0"/>
+              </a:ext>
+            </a:extLst>
+          </a:blip>
+          <a:stretch>
+            <a:fillRect/>
+          </a:stretch>
+        </p:blipFill>
+        <p:spPr>
+          <a:xfrm>
+            <a:off x="8032915" y="2395753"/>
+            <a:ext cx="1800000" cy="1797672"/>
+          </a:xfrm>
+          <a:prstGeom prst="rect">
+            <a:avLst/>
+          </a:prstGeom>
+        </p:spPr>
+      </p:pic>
+      <p:pic>
+        <p:nvPicPr>
+          <p:cNvPr id="26" name="Grafik 25" descr="Ein Bild, das Auto, Foto, schwarz enthält.&#10;&#10;Mit sehr hoher Zuverlässigkeit generierte Beschreibung">
+            <a:extLst>
+              <a:ext uri="{FF2B5EF4-FFF2-40B4-BE49-F238E27FC236}">
+                <a16:creationId xmlns:a16="http://schemas.microsoft.com/office/drawing/2014/main" id="{4B505520-5C8E-4B8A-81AA-CE6A914DB01F}"/>
+              </a:ext>
+            </a:extLst>
+          </p:cNvPr>
+          <p:cNvPicPr>
+            <a:picLocks noChangeAspect="1"/>
+          </p:cNvPicPr>
+          <p:nvPr/>
+        </p:nvPicPr>
+        <p:blipFill>
+          <a:blip r:embed="rId12">
+            <a:extLst>
+              <a:ext uri="{28A0092B-C50C-407E-A947-70E740481C1C}">
+                <a14:useLocalDpi xmlns:a14="http://schemas.microsoft.com/office/drawing/2010/main" val="0"/>
+              </a:ext>
+            </a:extLst>
+          </a:blip>
+          <a:stretch>
+            <a:fillRect/>
+          </a:stretch>
+        </p:blipFill>
+        <p:spPr>
+          <a:xfrm>
+            <a:off x="9875824" y="2381752"/>
+            <a:ext cx="1800000" cy="1811673"/>
+          </a:xfrm>
+          <a:prstGeom prst="rect">
+            <a:avLst/>
+          </a:prstGeom>
+        </p:spPr>
+      </p:pic>
+      <p:sp>
+        <p:nvSpPr>
+          <p:cNvPr id="27" name="Textfeld 26">
+            <a:extLst>
+              <a:ext uri="{FF2B5EF4-FFF2-40B4-BE49-F238E27FC236}">
+                <a16:creationId xmlns:a16="http://schemas.microsoft.com/office/drawing/2014/main" id="{A894A5CA-A222-471D-B151-6B1145193681}"/>
+              </a:ext>
+            </a:extLst>
+          </p:cNvPr>
+          <p:cNvSpPr txBox="1"/>
+          <p:nvPr/>
+        </p:nvSpPr>
+        <p:spPr>
+          <a:xfrm>
+            <a:off x="707615" y="415498"/>
+            <a:ext cx="718466" cy="400110"/>
+          </a:xfrm>
+          <a:prstGeom prst="rect">
+            <a:avLst/>
+          </a:prstGeom>
+          <a:noFill/>
+        </p:spPr>
+        <p:txBody>
+          <a:bodyPr wrap="none" rtlCol="0">
+            <a:spAutoFit/>
+          </a:bodyPr>
+          <a:lstStyle/>
+          <a:p>
+            <a:r>
+              <a:rPr lang="en-US" sz="2000" b="1" dirty="0">
                 <a:solidFill>
                   <a:schemeClr val="bg1"/>
                 </a:solidFill>
-              </a:endParaRPr>
-            </a:p>
-          </p:txBody>
-        </p:sp>
-        <p:sp>
-          <p:nvSpPr>
-            <p:cNvPr id="28" name="Textfeld 27">
-              <a:extLst>
-                <a:ext uri="{FF2B5EF4-FFF2-40B4-BE49-F238E27FC236}">
-                  <a16:creationId xmlns:a16="http://schemas.microsoft.com/office/drawing/2014/main" id="{85F96F5C-DE12-4FCB-9874-7871D8AEA851}"/>
-                </a:ext>
-              </a:extLst>
-            </p:cNvPr>
-            <p:cNvSpPr txBox="1"/>
-            <p:nvPr/>
-          </p:nvSpPr>
-          <p:spPr>
-            <a:xfrm>
-              <a:off x="2451137" y="1445401"/>
-              <a:ext cx="328936" cy="400110"/>
-            </a:xfrm>
-            <a:prstGeom prst="rect">
-              <a:avLst/>
-            </a:prstGeom>
-            <a:noFill/>
-          </p:spPr>
-          <p:txBody>
-            <a:bodyPr wrap="none" rtlCol="0">
-              <a:spAutoFit/>
-            </a:bodyPr>
-            <a:lstStyle/>
-            <a:p>
-              <a:r>
-                <a:rPr lang="en-US" sz="2000" b="1" dirty="0">
-                  <a:solidFill>
-                    <a:schemeClr val="bg1"/>
-                  </a:solidFill>
-                </a:rPr>
-                <a:t>B</a:t>
-              </a:r>
-              <a:endParaRPr lang="de-DE" sz="2000" b="1" dirty="0">
+              </a:rPr>
+              <a:t>0 um</a:t>
+            </a:r>
+            <a:endParaRPr lang="de-DE" sz="2000" b="1" dirty="0">
+              <a:solidFill>
+                <a:schemeClr val="bg1"/>
+              </a:solidFill>
+            </a:endParaRPr>
+          </a:p>
+        </p:txBody>
+      </p:sp>
+      <p:sp>
+        <p:nvSpPr>
+          <p:cNvPr id="28" name="Textfeld 27">
+            <a:extLst>
+              <a:ext uri="{FF2B5EF4-FFF2-40B4-BE49-F238E27FC236}">
+                <a16:creationId xmlns:a16="http://schemas.microsoft.com/office/drawing/2014/main" id="{85F96F5C-DE12-4FCB-9874-7871D8AEA851}"/>
+              </a:ext>
+            </a:extLst>
+          </p:cNvPr>
+          <p:cNvSpPr txBox="1"/>
+          <p:nvPr/>
+        </p:nvSpPr>
+        <p:spPr>
+          <a:xfrm>
+            <a:off x="2512290" y="415498"/>
+            <a:ext cx="976549" cy="400110"/>
+          </a:xfrm>
+          <a:prstGeom prst="rect">
+            <a:avLst/>
+          </a:prstGeom>
+          <a:noFill/>
+        </p:spPr>
+        <p:txBody>
+          <a:bodyPr wrap="none" rtlCol="0">
+            <a:spAutoFit/>
+          </a:bodyPr>
+          <a:lstStyle/>
+          <a:p>
+            <a:r>
+              <a:rPr lang="en-US" sz="2000" b="1" dirty="0">
                 <a:solidFill>
                   <a:schemeClr val="bg1"/>
                 </a:solidFill>
-              </a:endParaRPr>
-            </a:p>
-          </p:txBody>
-        </p:sp>
-        <p:sp>
-          <p:nvSpPr>
-            <p:cNvPr id="29" name="Textfeld 28">
-              <a:extLst>
-                <a:ext uri="{FF2B5EF4-FFF2-40B4-BE49-F238E27FC236}">
-                  <a16:creationId xmlns:a16="http://schemas.microsoft.com/office/drawing/2014/main" id="{C23D3637-9D42-4C92-A2CB-FAEEBBB2A868}"/>
-                </a:ext>
-              </a:extLst>
-            </p:cNvPr>
-            <p:cNvSpPr txBox="1"/>
-            <p:nvPr/>
-          </p:nvSpPr>
-          <p:spPr>
-            <a:xfrm>
-              <a:off x="4237160" y="1445401"/>
-              <a:ext cx="320922" cy="400110"/>
-            </a:xfrm>
-            <a:prstGeom prst="rect">
-              <a:avLst/>
-            </a:prstGeom>
-            <a:noFill/>
-          </p:spPr>
-          <p:txBody>
-            <a:bodyPr wrap="none" rtlCol="0">
-              <a:spAutoFit/>
-            </a:bodyPr>
-            <a:lstStyle/>
-            <a:p>
-              <a:r>
-                <a:rPr lang="en-US" sz="2000" b="1" dirty="0">
-                  <a:solidFill>
-                    <a:schemeClr val="bg1"/>
-                  </a:solidFill>
-                </a:rPr>
-                <a:t>C</a:t>
-              </a:r>
-              <a:endParaRPr lang="de-DE" sz="2000" b="1" dirty="0">
+              </a:rPr>
+              <a:t>+10 um</a:t>
+            </a:r>
+            <a:endParaRPr lang="de-DE" sz="2000" b="1" dirty="0">
+              <a:solidFill>
+                <a:schemeClr val="bg1"/>
+              </a:solidFill>
+            </a:endParaRPr>
+          </a:p>
+        </p:txBody>
+      </p:sp>
+      <p:sp>
+        <p:nvSpPr>
+          <p:cNvPr id="29" name="Textfeld 28">
+            <a:extLst>
+              <a:ext uri="{FF2B5EF4-FFF2-40B4-BE49-F238E27FC236}">
+                <a16:creationId xmlns:a16="http://schemas.microsoft.com/office/drawing/2014/main" id="{C23D3637-9D42-4C92-A2CB-FAEEBBB2A868}"/>
+              </a:ext>
+            </a:extLst>
+          </p:cNvPr>
+          <p:cNvSpPr txBox="1"/>
+          <p:nvPr/>
+        </p:nvSpPr>
+        <p:spPr>
+          <a:xfrm>
+            <a:off x="4346132" y="418574"/>
+            <a:ext cx="976549" cy="400110"/>
+          </a:xfrm>
+          <a:prstGeom prst="rect">
+            <a:avLst/>
+          </a:prstGeom>
+          <a:noFill/>
+        </p:spPr>
+        <p:txBody>
+          <a:bodyPr wrap="none" rtlCol="0">
+            <a:spAutoFit/>
+          </a:bodyPr>
+          <a:lstStyle/>
+          <a:p>
+            <a:r>
+              <a:rPr lang="en-US" sz="2000" b="1" dirty="0">
                 <a:solidFill>
                   <a:schemeClr val="bg1"/>
                 </a:solidFill>
-              </a:endParaRPr>
-            </a:p>
-          </p:txBody>
-        </p:sp>
-        <p:sp>
-          <p:nvSpPr>
-            <p:cNvPr id="30" name="Textfeld 29">
-              <a:extLst>
-                <a:ext uri="{FF2B5EF4-FFF2-40B4-BE49-F238E27FC236}">
-                  <a16:creationId xmlns:a16="http://schemas.microsoft.com/office/drawing/2014/main" id="{84AC0E95-FE58-4E28-8D9D-B7DA9045C3AF}"/>
-                </a:ext>
-              </a:extLst>
-            </p:cNvPr>
-            <p:cNvSpPr txBox="1"/>
-            <p:nvPr/>
-          </p:nvSpPr>
-          <p:spPr>
-            <a:xfrm>
-              <a:off x="6023160" y="1440735"/>
-              <a:ext cx="346570" cy="400110"/>
-            </a:xfrm>
-            <a:prstGeom prst="rect">
-              <a:avLst/>
-            </a:prstGeom>
-            <a:noFill/>
-          </p:spPr>
-          <p:txBody>
-            <a:bodyPr wrap="none" rtlCol="0">
-              <a:spAutoFit/>
-            </a:bodyPr>
-            <a:lstStyle/>
-            <a:p>
-              <a:r>
-                <a:rPr lang="en-US" sz="2000" b="1" dirty="0">
-                  <a:solidFill>
-                    <a:schemeClr val="bg1"/>
-                  </a:solidFill>
-                </a:rPr>
-                <a:t>D</a:t>
-              </a:r>
-              <a:endParaRPr lang="de-DE" sz="2000" b="1" dirty="0">
+              </a:rPr>
+              <a:t>+20 um</a:t>
+            </a:r>
+            <a:endParaRPr lang="de-DE" sz="2000" b="1" dirty="0">
+              <a:solidFill>
+                <a:schemeClr val="bg1"/>
+              </a:solidFill>
+            </a:endParaRPr>
+          </a:p>
+        </p:txBody>
+      </p:sp>
+      <p:sp>
+        <p:nvSpPr>
+          <p:cNvPr id="30" name="Textfeld 29">
+            <a:extLst>
+              <a:ext uri="{FF2B5EF4-FFF2-40B4-BE49-F238E27FC236}">
+                <a16:creationId xmlns:a16="http://schemas.microsoft.com/office/drawing/2014/main" id="{84AC0E95-FE58-4E28-8D9D-B7DA9045C3AF}"/>
+              </a:ext>
+            </a:extLst>
+          </p:cNvPr>
+          <p:cNvSpPr txBox="1"/>
+          <p:nvPr/>
+        </p:nvSpPr>
+        <p:spPr>
+          <a:xfrm>
+            <a:off x="6179814" y="396833"/>
+            <a:ext cx="976549" cy="400110"/>
+          </a:xfrm>
+          <a:prstGeom prst="rect">
+            <a:avLst/>
+          </a:prstGeom>
+          <a:noFill/>
+        </p:spPr>
+        <p:txBody>
+          <a:bodyPr wrap="none" rtlCol="0">
+            <a:spAutoFit/>
+          </a:bodyPr>
+          <a:lstStyle/>
+          <a:p>
+            <a:r>
+              <a:rPr lang="en-US" sz="2000" b="1" dirty="0">
                 <a:solidFill>
                   <a:schemeClr val="bg1"/>
                 </a:solidFill>
-              </a:endParaRPr>
-            </a:p>
-          </p:txBody>
-        </p:sp>
-        <p:sp>
-          <p:nvSpPr>
-            <p:cNvPr id="31" name="Textfeld 30">
-              <a:extLst>
-                <a:ext uri="{FF2B5EF4-FFF2-40B4-BE49-F238E27FC236}">
-                  <a16:creationId xmlns:a16="http://schemas.microsoft.com/office/drawing/2014/main" id="{48439CFC-F62B-43BB-B2A5-85F61EEBFD11}"/>
-                </a:ext>
-              </a:extLst>
-            </p:cNvPr>
-            <p:cNvSpPr txBox="1"/>
-            <p:nvPr/>
-          </p:nvSpPr>
-          <p:spPr>
-            <a:xfrm>
-              <a:off x="7823160" y="1443070"/>
-              <a:ext cx="309700" cy="400110"/>
-            </a:xfrm>
-            <a:prstGeom prst="rect">
-              <a:avLst/>
-            </a:prstGeom>
-            <a:noFill/>
-          </p:spPr>
-          <p:txBody>
-            <a:bodyPr wrap="none" rtlCol="0">
-              <a:spAutoFit/>
-            </a:bodyPr>
-            <a:lstStyle/>
-            <a:p>
-              <a:r>
-                <a:rPr lang="en-US" sz="2000" b="1" dirty="0">
-                  <a:solidFill>
-                    <a:schemeClr val="bg1"/>
-                  </a:solidFill>
-                </a:rPr>
-                <a:t>E</a:t>
-              </a:r>
-              <a:endParaRPr lang="de-DE" sz="2000" b="1" dirty="0">
+              </a:rPr>
+              <a:t>+30 um</a:t>
+            </a:r>
+            <a:endParaRPr lang="de-DE" sz="2000" b="1" dirty="0">
+              <a:solidFill>
+                <a:schemeClr val="bg1"/>
+              </a:solidFill>
+            </a:endParaRPr>
+          </a:p>
+        </p:txBody>
+      </p:sp>
+      <p:sp>
+        <p:nvSpPr>
+          <p:cNvPr id="31" name="Textfeld 30">
+            <a:extLst>
+              <a:ext uri="{FF2B5EF4-FFF2-40B4-BE49-F238E27FC236}">
+                <a16:creationId xmlns:a16="http://schemas.microsoft.com/office/drawing/2014/main" id="{48439CFC-F62B-43BB-B2A5-85F61EEBFD11}"/>
+              </a:ext>
+            </a:extLst>
+          </p:cNvPr>
+          <p:cNvSpPr txBox="1"/>
+          <p:nvPr/>
+        </p:nvSpPr>
+        <p:spPr>
+          <a:xfrm>
+            <a:off x="8019166" y="400450"/>
+            <a:ext cx="976549" cy="400110"/>
+          </a:xfrm>
+          <a:prstGeom prst="rect">
+            <a:avLst/>
+          </a:prstGeom>
+          <a:noFill/>
+        </p:spPr>
+        <p:txBody>
+          <a:bodyPr wrap="none" rtlCol="0">
+            <a:spAutoFit/>
+          </a:bodyPr>
+          <a:lstStyle/>
+          <a:p>
+            <a:r>
+              <a:rPr lang="en-US" sz="2000" b="1" dirty="0">
                 <a:solidFill>
                   <a:schemeClr val="bg1"/>
                 </a:solidFill>
-              </a:endParaRPr>
-            </a:p>
-          </p:txBody>
-        </p:sp>
-        <p:sp>
-          <p:nvSpPr>
-            <p:cNvPr id="32" name="Textfeld 31">
-              <a:extLst>
-                <a:ext uri="{FF2B5EF4-FFF2-40B4-BE49-F238E27FC236}">
-                  <a16:creationId xmlns:a16="http://schemas.microsoft.com/office/drawing/2014/main" id="{40346B50-ABFF-4614-979E-F30786DCBE16}"/>
-                </a:ext>
-              </a:extLst>
-            </p:cNvPr>
-            <p:cNvSpPr txBox="1"/>
-            <p:nvPr/>
-          </p:nvSpPr>
-          <p:spPr>
-            <a:xfrm>
-              <a:off x="9632557" y="1408279"/>
-              <a:ext cx="301686" cy="400110"/>
-            </a:xfrm>
-            <a:prstGeom prst="rect">
-              <a:avLst/>
-            </a:prstGeom>
-            <a:noFill/>
-          </p:spPr>
-          <p:txBody>
-            <a:bodyPr wrap="none" rtlCol="0">
-              <a:spAutoFit/>
-            </a:bodyPr>
-            <a:lstStyle/>
-            <a:p>
-              <a:r>
-                <a:rPr lang="en-US" sz="2000" b="1" dirty="0">
-                  <a:solidFill>
-                    <a:schemeClr val="bg1"/>
-                  </a:solidFill>
-                </a:rPr>
-                <a:t>F</a:t>
-              </a:r>
-              <a:endParaRPr lang="de-DE" sz="2000" b="1" dirty="0">
+              </a:rPr>
+              <a:t>+40 um</a:t>
+            </a:r>
+            <a:endParaRPr lang="de-DE" sz="2000" b="1" dirty="0">
+              <a:solidFill>
+                <a:schemeClr val="bg1"/>
+              </a:solidFill>
+            </a:endParaRPr>
+          </a:p>
+        </p:txBody>
+      </p:sp>
+      <p:sp>
+        <p:nvSpPr>
+          <p:cNvPr id="32" name="Textfeld 31">
+            <a:extLst>
+              <a:ext uri="{FF2B5EF4-FFF2-40B4-BE49-F238E27FC236}">
+                <a16:creationId xmlns:a16="http://schemas.microsoft.com/office/drawing/2014/main" id="{40346B50-ABFF-4614-979E-F30786DCBE16}"/>
+              </a:ext>
+            </a:extLst>
+          </p:cNvPr>
+          <p:cNvSpPr txBox="1"/>
+          <p:nvPr/>
+        </p:nvSpPr>
+        <p:spPr>
+          <a:xfrm>
+            <a:off x="9875824" y="361525"/>
+            <a:ext cx="976549" cy="400110"/>
+          </a:xfrm>
+          <a:prstGeom prst="rect">
+            <a:avLst/>
+          </a:prstGeom>
+          <a:noFill/>
+        </p:spPr>
+        <p:txBody>
+          <a:bodyPr wrap="none" rtlCol="0">
+            <a:spAutoFit/>
+          </a:bodyPr>
+          <a:lstStyle/>
+          <a:p>
+            <a:r>
+              <a:rPr lang="en-US" sz="2000" b="1" dirty="0">
                 <a:solidFill>
                   <a:schemeClr val="bg1"/>
                 </a:solidFill>
-              </a:endParaRPr>
-            </a:p>
-          </p:txBody>
-        </p:sp>
-        <p:sp>
-          <p:nvSpPr>
-            <p:cNvPr id="34" name="Textfeld 33">
-              <a:extLst>
-                <a:ext uri="{FF2B5EF4-FFF2-40B4-BE49-F238E27FC236}">
-                  <a16:creationId xmlns:a16="http://schemas.microsoft.com/office/drawing/2014/main" id="{AACE669C-6F5E-4852-B43D-21152C558AC5}"/>
-                </a:ext>
-              </a:extLst>
-            </p:cNvPr>
-            <p:cNvSpPr txBox="1"/>
-            <p:nvPr/>
-          </p:nvSpPr>
-          <p:spPr>
-            <a:xfrm>
-              <a:off x="2437184" y="3441970"/>
-              <a:ext cx="348172" cy="400110"/>
-            </a:xfrm>
-            <a:prstGeom prst="rect">
-              <a:avLst/>
-            </a:prstGeom>
-            <a:noFill/>
-          </p:spPr>
-          <p:txBody>
-            <a:bodyPr wrap="none" rtlCol="0">
-              <a:spAutoFit/>
-            </a:bodyPr>
-            <a:lstStyle/>
-            <a:p>
-              <a:r>
-                <a:rPr lang="en-US" sz="2000" b="1" dirty="0">
-                  <a:solidFill>
-                    <a:schemeClr val="bg1"/>
-                  </a:solidFill>
-                </a:rPr>
-                <a:t>G</a:t>
-              </a:r>
-              <a:endParaRPr lang="de-DE" sz="2000" b="1" dirty="0">
+              </a:rPr>
+              <a:t>+50 um</a:t>
+            </a:r>
+            <a:endParaRPr lang="de-DE" sz="2000" b="1" dirty="0">
+              <a:solidFill>
+                <a:schemeClr val="bg1"/>
+              </a:solidFill>
+            </a:endParaRPr>
+          </a:p>
+        </p:txBody>
+      </p:sp>
+      <p:sp>
+        <p:nvSpPr>
+          <p:cNvPr id="34" name="Textfeld 33">
+            <a:extLst>
+              <a:ext uri="{FF2B5EF4-FFF2-40B4-BE49-F238E27FC236}">
+                <a16:creationId xmlns:a16="http://schemas.microsoft.com/office/drawing/2014/main" id="{AACE669C-6F5E-4852-B43D-21152C558AC5}"/>
+              </a:ext>
+            </a:extLst>
+          </p:cNvPr>
+          <p:cNvSpPr txBox="1"/>
+          <p:nvPr/>
+        </p:nvSpPr>
+        <p:spPr>
+          <a:xfrm>
+            <a:off x="2496047" y="2407410"/>
+            <a:ext cx="926857" cy="400110"/>
+          </a:xfrm>
+          <a:prstGeom prst="rect">
+            <a:avLst/>
+          </a:prstGeom>
+          <a:noFill/>
+        </p:spPr>
+        <p:txBody>
+          <a:bodyPr wrap="none" rtlCol="0">
+            <a:spAutoFit/>
+          </a:bodyPr>
+          <a:lstStyle/>
+          <a:p>
+            <a:r>
+              <a:rPr lang="en-US" sz="2000" b="1" dirty="0">
                 <a:solidFill>
                   <a:schemeClr val="bg1"/>
                 </a:solidFill>
-              </a:endParaRPr>
-            </a:p>
-          </p:txBody>
-        </p:sp>
-        <p:sp>
-          <p:nvSpPr>
-            <p:cNvPr id="35" name="Textfeld 34">
-              <a:extLst>
-                <a:ext uri="{FF2B5EF4-FFF2-40B4-BE49-F238E27FC236}">
-                  <a16:creationId xmlns:a16="http://schemas.microsoft.com/office/drawing/2014/main" id="{0785F460-1656-4957-A749-64DBE4B3D8FF}"/>
-                </a:ext>
-              </a:extLst>
-            </p:cNvPr>
-            <p:cNvSpPr txBox="1"/>
-            <p:nvPr/>
-          </p:nvSpPr>
-          <p:spPr>
-            <a:xfrm>
-              <a:off x="4232533" y="3441970"/>
-              <a:ext cx="346570" cy="400110"/>
-            </a:xfrm>
-            <a:prstGeom prst="rect">
-              <a:avLst/>
-            </a:prstGeom>
-            <a:noFill/>
-          </p:spPr>
-          <p:txBody>
-            <a:bodyPr wrap="none" rtlCol="0">
-              <a:spAutoFit/>
-            </a:bodyPr>
-            <a:lstStyle/>
-            <a:p>
-              <a:r>
-                <a:rPr lang="en-US" sz="2000" b="1" dirty="0">
-                  <a:solidFill>
-                    <a:schemeClr val="bg1"/>
-                  </a:solidFill>
-                </a:rPr>
-                <a:t>H</a:t>
-              </a:r>
-              <a:endParaRPr lang="de-DE" sz="2000" b="1" dirty="0">
+              </a:rPr>
+              <a:t>-10 um</a:t>
+            </a:r>
+            <a:endParaRPr lang="de-DE" sz="2000" b="1" dirty="0">
+              <a:solidFill>
+                <a:schemeClr val="bg1"/>
+              </a:solidFill>
+            </a:endParaRPr>
+          </a:p>
+        </p:txBody>
+      </p:sp>
+      <p:sp>
+        <p:nvSpPr>
+          <p:cNvPr id="35" name="Textfeld 34">
+            <a:extLst>
+              <a:ext uri="{FF2B5EF4-FFF2-40B4-BE49-F238E27FC236}">
+                <a16:creationId xmlns:a16="http://schemas.microsoft.com/office/drawing/2014/main" id="{0785F460-1656-4957-A749-64DBE4B3D8FF}"/>
+              </a:ext>
+            </a:extLst>
+          </p:cNvPr>
+          <p:cNvSpPr txBox="1"/>
+          <p:nvPr/>
+        </p:nvSpPr>
+        <p:spPr>
+          <a:xfrm>
+            <a:off x="4340174" y="2407410"/>
+            <a:ext cx="926857" cy="400110"/>
+          </a:xfrm>
+          <a:prstGeom prst="rect">
+            <a:avLst/>
+          </a:prstGeom>
+          <a:noFill/>
+        </p:spPr>
+        <p:txBody>
+          <a:bodyPr wrap="none" rtlCol="0">
+            <a:spAutoFit/>
+          </a:bodyPr>
+          <a:lstStyle/>
+          <a:p>
+            <a:r>
+              <a:rPr lang="en-US" sz="2000" b="1" dirty="0">
                 <a:solidFill>
                   <a:schemeClr val="bg1"/>
                 </a:solidFill>
-              </a:endParaRPr>
-            </a:p>
-          </p:txBody>
-        </p:sp>
-        <p:sp>
-          <p:nvSpPr>
-            <p:cNvPr id="36" name="Textfeld 35">
-              <a:extLst>
-                <a:ext uri="{FF2B5EF4-FFF2-40B4-BE49-F238E27FC236}">
-                  <a16:creationId xmlns:a16="http://schemas.microsoft.com/office/drawing/2014/main" id="{5C88B063-3E60-49B8-BAFC-6DA43E604BA4}"/>
-                </a:ext>
-              </a:extLst>
-            </p:cNvPr>
-            <p:cNvSpPr txBox="1"/>
-            <p:nvPr/>
-          </p:nvSpPr>
-          <p:spPr>
-            <a:xfrm>
-              <a:off x="6027811" y="3441970"/>
-              <a:ext cx="253596" cy="400110"/>
-            </a:xfrm>
-            <a:prstGeom prst="rect">
-              <a:avLst/>
-            </a:prstGeom>
-            <a:noFill/>
-          </p:spPr>
-          <p:txBody>
-            <a:bodyPr wrap="none" rtlCol="0">
-              <a:spAutoFit/>
-            </a:bodyPr>
-            <a:lstStyle/>
-            <a:p>
-              <a:r>
-                <a:rPr lang="en-US" sz="2000" b="1" dirty="0">
-                  <a:solidFill>
-                    <a:schemeClr val="bg1"/>
-                  </a:solidFill>
-                </a:rPr>
-                <a:t>I</a:t>
-              </a:r>
-              <a:endParaRPr lang="de-DE" sz="2000" b="1" dirty="0">
+              </a:rPr>
+              <a:t>-20 um</a:t>
+            </a:r>
+            <a:endParaRPr lang="de-DE" sz="2000" b="1" dirty="0">
+              <a:solidFill>
+                <a:schemeClr val="bg1"/>
+              </a:solidFill>
+            </a:endParaRPr>
+          </a:p>
+        </p:txBody>
+      </p:sp>
+      <p:sp>
+        <p:nvSpPr>
+          <p:cNvPr id="36" name="Textfeld 35">
+            <a:extLst>
+              <a:ext uri="{FF2B5EF4-FFF2-40B4-BE49-F238E27FC236}">
+                <a16:creationId xmlns:a16="http://schemas.microsoft.com/office/drawing/2014/main" id="{5C88B063-3E60-49B8-BAFC-6DA43E604BA4}"/>
+              </a:ext>
+            </a:extLst>
+          </p:cNvPr>
+          <p:cNvSpPr txBox="1"/>
+          <p:nvPr/>
+        </p:nvSpPr>
+        <p:spPr>
+          <a:xfrm>
+            <a:off x="6193521" y="2402753"/>
+            <a:ext cx="926857" cy="400110"/>
+          </a:xfrm>
+          <a:prstGeom prst="rect">
+            <a:avLst/>
+          </a:prstGeom>
+          <a:noFill/>
+        </p:spPr>
+        <p:txBody>
+          <a:bodyPr wrap="none" rtlCol="0">
+            <a:spAutoFit/>
+          </a:bodyPr>
+          <a:lstStyle/>
+          <a:p>
+            <a:r>
+              <a:rPr lang="en-US" sz="2000" b="1" dirty="0">
                 <a:solidFill>
                   <a:schemeClr val="bg1"/>
                 </a:solidFill>
-              </a:endParaRPr>
-            </a:p>
-          </p:txBody>
-        </p:sp>
-        <p:sp>
-          <p:nvSpPr>
-            <p:cNvPr id="37" name="Textfeld 36">
-              <a:extLst>
-                <a:ext uri="{FF2B5EF4-FFF2-40B4-BE49-F238E27FC236}">
-                  <a16:creationId xmlns:a16="http://schemas.microsoft.com/office/drawing/2014/main" id="{FCFEF563-EA4E-4EC6-9198-2EBE2F775E2B}"/>
-                </a:ext>
-              </a:extLst>
-            </p:cNvPr>
-            <p:cNvSpPr txBox="1"/>
-            <p:nvPr/>
-          </p:nvSpPr>
-          <p:spPr>
-            <a:xfrm>
-              <a:off x="7823160" y="3441970"/>
-              <a:ext cx="269626" cy="400110"/>
-            </a:xfrm>
-            <a:prstGeom prst="rect">
-              <a:avLst/>
-            </a:prstGeom>
-            <a:noFill/>
-          </p:spPr>
-          <p:txBody>
-            <a:bodyPr wrap="none" rtlCol="0">
-              <a:spAutoFit/>
-            </a:bodyPr>
-            <a:lstStyle/>
-            <a:p>
-              <a:r>
-                <a:rPr lang="en-US" sz="2000" b="1" dirty="0">
-                  <a:solidFill>
-                    <a:schemeClr val="bg1"/>
-                  </a:solidFill>
-                </a:rPr>
-                <a:t>J</a:t>
-              </a:r>
-              <a:endParaRPr lang="de-DE" sz="2000" b="1" dirty="0">
+              </a:rPr>
+              <a:t>-30 um</a:t>
+            </a:r>
+            <a:endParaRPr lang="de-DE" sz="2000" b="1" dirty="0">
+              <a:solidFill>
+                <a:schemeClr val="bg1"/>
+              </a:solidFill>
+            </a:endParaRPr>
+          </a:p>
+        </p:txBody>
+      </p:sp>
+      <p:sp>
+        <p:nvSpPr>
+          <p:cNvPr id="37" name="Textfeld 36">
+            <a:extLst>
+              <a:ext uri="{FF2B5EF4-FFF2-40B4-BE49-F238E27FC236}">
+                <a16:creationId xmlns:a16="http://schemas.microsoft.com/office/drawing/2014/main" id="{FCFEF563-EA4E-4EC6-9198-2EBE2F775E2B}"/>
+              </a:ext>
+            </a:extLst>
+          </p:cNvPr>
+          <p:cNvSpPr txBox="1"/>
+          <p:nvPr/>
+        </p:nvSpPr>
+        <p:spPr>
+          <a:xfrm>
+            <a:off x="8051590" y="2395753"/>
+            <a:ext cx="926857" cy="400110"/>
+          </a:xfrm>
+          <a:prstGeom prst="rect">
+            <a:avLst/>
+          </a:prstGeom>
+          <a:noFill/>
+        </p:spPr>
+        <p:txBody>
+          <a:bodyPr wrap="none" rtlCol="0">
+            <a:spAutoFit/>
+          </a:bodyPr>
+          <a:lstStyle/>
+          <a:p>
+            <a:r>
+              <a:rPr lang="en-US" sz="2000" b="1" dirty="0">
                 <a:solidFill>
                   <a:schemeClr val="bg1"/>
                 </a:solidFill>
-              </a:endParaRPr>
-            </a:p>
-          </p:txBody>
-        </p:sp>
-        <p:sp>
-          <p:nvSpPr>
-            <p:cNvPr id="38" name="Textfeld 37">
-              <a:extLst>
-                <a:ext uri="{FF2B5EF4-FFF2-40B4-BE49-F238E27FC236}">
-                  <a16:creationId xmlns:a16="http://schemas.microsoft.com/office/drawing/2014/main" id="{3F05D1D0-F78E-444B-8EA9-0F5410FC960C}"/>
-                </a:ext>
-              </a:extLst>
-            </p:cNvPr>
-            <p:cNvSpPr txBox="1"/>
-            <p:nvPr/>
-          </p:nvSpPr>
-          <p:spPr>
-            <a:xfrm>
-              <a:off x="9562648" y="3434970"/>
-              <a:ext cx="325730" cy="400110"/>
-            </a:xfrm>
-            <a:prstGeom prst="rect">
-              <a:avLst/>
-            </a:prstGeom>
-            <a:noFill/>
-          </p:spPr>
-          <p:txBody>
-            <a:bodyPr wrap="none" rtlCol="0">
-              <a:spAutoFit/>
-            </a:bodyPr>
-            <a:lstStyle/>
-            <a:p>
-              <a:r>
-                <a:rPr lang="en-US" sz="2000" b="1" dirty="0">
-                  <a:solidFill>
-                    <a:schemeClr val="bg1"/>
-                  </a:solidFill>
-                </a:rPr>
-                <a:t>K</a:t>
-              </a:r>
-              <a:endParaRPr lang="de-DE" sz="2000" b="1" dirty="0">
+              </a:rPr>
+              <a:t>-40 um</a:t>
+            </a:r>
+            <a:endParaRPr lang="de-DE" sz="2000" b="1" dirty="0">
+              <a:solidFill>
+                <a:schemeClr val="bg1"/>
+              </a:solidFill>
+            </a:endParaRPr>
+          </a:p>
+        </p:txBody>
+      </p:sp>
+      <p:sp>
+        <p:nvSpPr>
+          <p:cNvPr id="38" name="Textfeld 37">
+            <a:extLst>
+              <a:ext uri="{FF2B5EF4-FFF2-40B4-BE49-F238E27FC236}">
+                <a16:creationId xmlns:a16="http://schemas.microsoft.com/office/drawing/2014/main" id="{3F05D1D0-F78E-444B-8EA9-0F5410FC960C}"/>
+              </a:ext>
+            </a:extLst>
+          </p:cNvPr>
+          <p:cNvSpPr txBox="1"/>
+          <p:nvPr/>
+        </p:nvSpPr>
+        <p:spPr>
+          <a:xfrm>
+            <a:off x="9838638" y="2374752"/>
+            <a:ext cx="926857" cy="400110"/>
+          </a:xfrm>
+          <a:prstGeom prst="rect">
+            <a:avLst/>
+          </a:prstGeom>
+          <a:noFill/>
+        </p:spPr>
+        <p:txBody>
+          <a:bodyPr wrap="none" rtlCol="0">
+            <a:spAutoFit/>
+          </a:bodyPr>
+          <a:lstStyle/>
+          <a:p>
+            <a:r>
+              <a:rPr lang="en-US" sz="2000" b="1" dirty="0">
                 <a:solidFill>
                   <a:schemeClr val="bg1"/>
                 </a:solidFill>
-              </a:endParaRPr>
-            </a:p>
-          </p:txBody>
-        </p:sp>
-      </p:grpSp>
+              </a:rPr>
+              <a:t>-50 um</a:t>
+            </a:r>
+            <a:endParaRPr lang="de-DE" sz="2000" b="1" dirty="0">
+              <a:solidFill>
+                <a:schemeClr val="bg1"/>
+              </a:solidFill>
+            </a:endParaRPr>
+          </a:p>
+        </p:txBody>
+      </p:sp>
     </p:spTree>
     <p:extLst>
       <p:ext uri="{BB962C8B-B14F-4D97-AF65-F5344CB8AC3E}">
